--- a/365/365.pptx
+++ b/365/365.pptx
@@ -5,7 +5,7 @@
     <p:sldMasterId id="2147483816" r:id="rId1"/>
   </p:sldMasterIdLst>
   <p:notesMasterIdLst>
-    <p:notesMasterId r:id="rId18"/>
+    <p:notesMasterId r:id="rId17"/>
   </p:notesMasterIdLst>
   <p:sldIdLst>
     <p:sldId id="256" r:id="rId2"/>
@@ -18,12 +18,11 @@
     <p:sldId id="386" r:id="rId9"/>
     <p:sldId id="388" r:id="rId10"/>
     <p:sldId id="385" r:id="rId11"/>
-    <p:sldId id="389" r:id="rId12"/>
-    <p:sldId id="390" r:id="rId13"/>
-    <p:sldId id="391" r:id="rId14"/>
-    <p:sldId id="392" r:id="rId15"/>
-    <p:sldId id="380" r:id="rId16"/>
-    <p:sldId id="328" r:id="rId17"/>
+    <p:sldId id="390" r:id="rId12"/>
+    <p:sldId id="391" r:id="rId13"/>
+    <p:sldId id="392" r:id="rId14"/>
+    <p:sldId id="380" r:id="rId15"/>
+    <p:sldId id="328" r:id="rId16"/>
   </p:sldIdLst>
   <p:sldSz cx="9144000" cy="6858000" type="screen4x3"/>
   <p:notesSz cx="6858000" cy="9144000"/>
@@ -852,30 +851,6 @@
               <a:buFontTx/>
               <a:buChar char="-"/>
             </a:pPr>
-            <a:r>
-              <a:rPr lang="en-US" b="1" dirty="0" smtClean="0">
-                <a:solidFill>
-                  <a:srgbClr val="000000"/>
-                </a:solidFill>
-                <a:latin typeface="Lucida Grande" charset="0"/>
-                <a:ea typeface="ＭＳ Ｐゴシック" charset="0"/>
-                <a:cs typeface="Lucida Grande" charset="0"/>
-                <a:sym typeface="Lucida Grande" charset="0"/>
-              </a:rPr>
-              <a:t>almost any UI component can be animated in </a:t>
-            </a:r>
-            <a:r>
-              <a:rPr lang="en-US" b="1" smtClean="0">
-                <a:solidFill>
-                  <a:srgbClr val="000000"/>
-                </a:solidFill>
-                <a:latin typeface="Lucida Grande" charset="0"/>
-                <a:ea typeface="ＭＳ Ｐゴシック" charset="0"/>
-                <a:cs typeface="Lucida Grande" charset="0"/>
-                <a:sym typeface="Lucida Grande" charset="0"/>
-              </a:rPr>
-              <a:t>this way</a:t>
-            </a:r>
             <a:endParaRPr lang="en-US" b="1" dirty="0">
               <a:solidFill>
                 <a:srgbClr val="000000"/>
@@ -1105,101 +1080,6 @@
       </p:grpSpPr>
       <p:sp>
         <p:nvSpPr>
-          <p:cNvPr id="13313" name="Rectangle 1"/>
-          <p:cNvSpPr>
-            <a:spLocks noGrp="1" noRot="1" noChangeAspect="1" noChangeArrowheads="1"/>
-          </p:cNvSpPr>
-          <p:nvPr>
-            <p:ph type="sldImg"/>
-          </p:nvPr>
-        </p:nvSpPr>
-        <p:spPr>
-          <a:solidFill>
-            <a:srgbClr val="FFFFFF"/>
-          </a:solidFill>
-          <a:ln/>
-        </p:spPr>
-      </p:sp>
-      <p:sp>
-        <p:nvSpPr>
-          <p:cNvPr id="13314" name="Rectangle 2"/>
-          <p:cNvSpPr>
-            <a:spLocks noGrp="1" noChangeArrowheads="1"/>
-          </p:cNvSpPr>
-          <p:nvPr>
-            <p:ph type="body" idx="1"/>
-          </p:nvPr>
-        </p:nvSpPr>
-        <p:spPr>
-          <a:noFill/>
-          <a:ln/>
-          <a:extLst>
-            <a:ext uri="{909E8E84-426E-40dd-AFC4-6F175D3DCCD1}">
-              <a14:hiddenFill xmlns:a14="http://schemas.microsoft.com/office/drawing/2010/main">
-                <a:solidFill>
-                  <a:srgbClr val="FFFFFF"/>
-                </a:solidFill>
-              </a14:hiddenFill>
-            </a:ext>
-            <a:ext uri="{91240B29-F687-4f45-9708-019B960494DF}">
-              <a14:hiddenLine xmlns:a14="http://schemas.microsoft.com/office/drawing/2010/main" w="9525">
-                <a:solidFill>
-                  <a:srgbClr val="000000"/>
-                </a:solidFill>
-                <a:miter lim="800000"/>
-                <a:headEnd/>
-                <a:tailEnd/>
-              </a14:hiddenLine>
-            </a:ext>
-          </a:extLst>
-        </p:spPr>
-        <p:txBody>
-          <a:bodyPr/>
-          <a:lstStyle/>
-          <a:p>
-            <a:pPr marL="250825" indent="-171450" eaLnBrk="1" hangingPunct="1">
-              <a:buFontTx/>
-              <a:buChar char="-"/>
-            </a:pPr>
-            <a:endParaRPr lang="en-US" b="1" dirty="0">
-              <a:solidFill>
-                <a:srgbClr val="000000"/>
-              </a:solidFill>
-              <a:latin typeface="Lucida Grande" charset="0"/>
-              <a:ea typeface="ＭＳ Ｐゴシック" charset="0"/>
-              <a:cs typeface="Lucida Grande" charset="0"/>
-              <a:sym typeface="Lucida Grande" charset="0"/>
-            </a:endParaRPr>
-          </a:p>
-        </p:txBody>
-      </p:sp>
-    </p:spTree>
-  </p:cSld>
-  <p:clrMapOvr>
-    <a:masterClrMapping/>
-  </p:clrMapOvr>
-</p:notes>
-</file>
-
-<file path=ppt/notesSlides/notesSlide15.xml><?xml version="1.0" encoding="utf-8"?>
-<p:notes xmlns:a="http://schemas.openxmlformats.org/drawingml/2006/main" xmlns:r="http://schemas.openxmlformats.org/officeDocument/2006/relationships" xmlns:p="http://schemas.openxmlformats.org/presentationml/2006/main">
-  <p:cSld>
-    <p:spTree>
-      <p:nvGrpSpPr>
-        <p:cNvPr id="1" name=""/>
-        <p:cNvGrpSpPr/>
-        <p:nvPr/>
-      </p:nvGrpSpPr>
-      <p:grpSpPr>
-        <a:xfrm>
-          <a:off x="0" y="0"/>
-          <a:ext cx="0" cy="0"/>
-          <a:chOff x="0" y="0"/>
-          <a:chExt cx="0" cy="0"/>
-        </a:xfrm>
-      </p:grpSpPr>
-      <p:sp>
-        <p:nvSpPr>
           <p:cNvPr id="17409" name="Rectangle 1"/>
           <p:cNvSpPr>
             <a:spLocks noGrp="1" noRot="1" noChangeAspect="1" noChangeArrowheads="1"/>
@@ -1277,7 +1157,7 @@
 </p:notes>
 </file>
 
-<file path=ppt/notesSlides/notesSlide16.xml><?xml version="1.0" encoding="utf-8"?>
+<file path=ppt/notesSlides/notesSlide15.xml><?xml version="1.0" encoding="utf-8"?>
 <p:notes xmlns:a="http://schemas.openxmlformats.org/drawingml/2006/main" xmlns:r="http://schemas.openxmlformats.org/officeDocument/2006/relationships" xmlns:p="http://schemas.openxmlformats.org/presentationml/2006/main">
   <p:cSld>
     <p:spTree>
@@ -7037,7 +6917,7 @@
                 <a:ea typeface="ヒラギノ角ゴ ProN W6" charset="0"/>
                 <a:cs typeface="ヒラギノ角ゴ ProN W6" charset="0"/>
               </a:rPr>
-              <a:t>3D Matrix Animation Example</a:t>
+              <a:t>Using Opacity</a:t>
             </a:r>
             <a:endParaRPr lang="en-US" dirty="0">
               <a:latin typeface="Trebuchet MS Bold" charset="0"/>
@@ -7047,34 +6927,165 @@
           </a:p>
         </p:txBody>
       </p:sp>
-      <p:pic>
-        <p:nvPicPr>
-          <p:cNvPr id="2" name="Picture 1"/>
-          <p:cNvPicPr>
-            <a:picLocks noChangeAspect="1"/>
-          </p:cNvPicPr>
-          <p:nvPr/>
-        </p:nvPicPr>
-        <p:blipFill>
-          <a:blip r:embed="rId5"/>
-          <a:stretch>
-            <a:fillRect/>
-          </a:stretch>
-        </p:blipFill>
+      <p:sp>
+        <p:nvSpPr>
+          <p:cNvPr id="12293" name="Rectangle 7"/>
+          <p:cNvSpPr>
+            <a:spLocks noGrp="1" noChangeArrowheads="1"/>
+          </p:cNvSpPr>
+          <p:nvPr>
+            <p:ph idx="1"/>
+          </p:nvPr>
+        </p:nvSpPr>
         <p:spPr>
           <a:xfrm>
-            <a:off x="381000" y="1765300"/>
-            <a:ext cx="8369300" cy="3327400"/>
+            <a:off x="457200" y="1346200"/>
+            <a:ext cx="8229600" cy="4902200"/>
           </a:xfrm>
-          <a:prstGeom prst="rect">
-            <a:avLst/>
-          </a:prstGeom>
-        </p:spPr>
-      </p:pic>
+        </p:spPr>
+        <p:txBody>
+          <a:bodyPr rIns="81279"/>
+          <a:lstStyle/>
+          <a:p>
+            <a:pPr eaLnBrk="1" hangingPunct="1"/>
+            <a:r>
+              <a:rPr lang="en-US" dirty="0" smtClean="0">
+                <a:latin typeface="Trebuchet MS" charset="0"/>
+                <a:ea typeface="ヒラギノ角ゴ ProN W3" charset="0"/>
+                <a:cs typeface="ヒラギノ角ゴ ProN W3" charset="0"/>
+              </a:rPr>
+              <a:t>Opacity is an important property in animation</a:t>
+            </a:r>
+          </a:p>
+          <a:p>
+            <a:pPr eaLnBrk="1" hangingPunct="1"/>
+            <a:endParaRPr lang="en-US" dirty="0">
+              <a:latin typeface="Trebuchet MS" charset="0"/>
+              <a:ea typeface="ヒラギノ角ゴ ProN W3" charset="0"/>
+              <a:cs typeface="ヒラギノ角ゴ ProN W3" charset="0"/>
+            </a:endParaRPr>
+          </a:p>
+          <a:p>
+            <a:pPr eaLnBrk="1" hangingPunct="1"/>
+            <a:r>
+              <a:rPr lang="en-US" dirty="0" smtClean="0">
+                <a:latin typeface="Trebuchet MS" charset="0"/>
+                <a:ea typeface="ヒラギノ角ゴ ProN W3" charset="0"/>
+                <a:cs typeface="ヒラギノ角ゴ ProN W3" charset="0"/>
+              </a:rPr>
+              <a:t>Values:</a:t>
+            </a:r>
+          </a:p>
+          <a:p>
+            <a:pPr eaLnBrk="1" hangingPunct="1">
+              <a:buFontTx/>
+              <a:buChar char="-"/>
+            </a:pPr>
+            <a:r>
+              <a:rPr lang="en-US" dirty="0" smtClean="0">
+                <a:latin typeface="Trebuchet MS" charset="0"/>
+                <a:ea typeface="ヒラギノ角ゴ ProN W3" charset="0"/>
+                <a:cs typeface="ヒラギノ角ゴ ProN W3" charset="0"/>
+              </a:rPr>
+              <a:t>0 is invisible</a:t>
+            </a:r>
+          </a:p>
+          <a:p>
+            <a:pPr eaLnBrk="1" hangingPunct="1">
+              <a:buFontTx/>
+              <a:buChar char="-"/>
+            </a:pPr>
+            <a:r>
+              <a:rPr lang="en-US" dirty="0" smtClean="0">
+                <a:latin typeface="Trebuchet MS" charset="0"/>
+                <a:ea typeface="ヒラギノ角ゴ ProN W3" charset="0"/>
+                <a:cs typeface="ヒラギノ角ゴ ProN W3" charset="0"/>
+              </a:rPr>
+              <a:t>1 is totally opaque</a:t>
+            </a:r>
+          </a:p>
+          <a:p>
+            <a:pPr eaLnBrk="1" hangingPunct="1">
+              <a:buFontTx/>
+              <a:buChar char="-"/>
+            </a:pPr>
+            <a:endParaRPr lang="en-US" dirty="0">
+              <a:latin typeface="Trebuchet MS" charset="0"/>
+              <a:ea typeface="ヒラギノ角ゴ ProN W3" charset="0"/>
+              <a:cs typeface="ヒラギノ角ゴ ProN W3" charset="0"/>
+            </a:endParaRPr>
+          </a:p>
+          <a:p>
+            <a:pPr marL="0" indent="0" eaLnBrk="1" hangingPunct="1"/>
+            <a:r>
+              <a:rPr lang="en-US" dirty="0" smtClean="0">
+                <a:latin typeface="Trebuchet MS" charset="0"/>
+                <a:ea typeface="ヒラギノ角ゴ ProN W3" charset="0"/>
+                <a:cs typeface="ヒラギノ角ゴ ProN W3" charset="0"/>
+              </a:rPr>
+              <a:t>Dimming objects indicates they are unavailable</a:t>
+            </a:r>
+          </a:p>
+          <a:p>
+            <a:pPr marL="0" indent="0" eaLnBrk="1" hangingPunct="1"/>
+            <a:endParaRPr lang="en-US" dirty="0">
+              <a:latin typeface="Trebuchet MS" charset="0"/>
+              <a:ea typeface="ヒラギノ角ゴ ProN W3" charset="0"/>
+              <a:cs typeface="ヒラギノ角ゴ ProN W3" charset="0"/>
+            </a:endParaRPr>
+          </a:p>
+          <a:p>
+            <a:pPr marL="0" indent="0" eaLnBrk="1" hangingPunct="1"/>
+            <a:r>
+              <a:rPr lang="en-US" dirty="0" smtClean="0">
+                <a:latin typeface="Trebuchet MS" charset="0"/>
+                <a:ea typeface="ヒラギノ角ゴ ProN W3" charset="0"/>
+                <a:cs typeface="ヒラギノ角ゴ ProN W3" charset="0"/>
+              </a:rPr>
+              <a:t>Fading in/out views makes UI state changes less jarring</a:t>
+            </a:r>
+          </a:p>
+          <a:p>
+            <a:pPr marL="0" indent="0" eaLnBrk="1" hangingPunct="1"/>
+            <a:endParaRPr lang="en-US" dirty="0">
+              <a:latin typeface="Trebuchet MS" charset="0"/>
+              <a:ea typeface="ヒラギノ角ゴ ProN W3" charset="0"/>
+              <a:cs typeface="ヒラギノ角ゴ ProN W3" charset="0"/>
+            </a:endParaRPr>
+          </a:p>
+          <a:p>
+            <a:pPr marL="0" indent="0" eaLnBrk="1" hangingPunct="1"/>
+            <a:r>
+              <a:rPr lang="en-US" dirty="0" smtClean="0">
+                <a:latin typeface="Trebuchet MS" charset="0"/>
+                <a:ea typeface="ヒラギノ角ゴ ProN W3" charset="0"/>
+                <a:cs typeface="ヒラギノ角ゴ ProN W3" charset="0"/>
+              </a:rPr>
+              <a:t>Demo: animating the opacity property</a:t>
+            </a:r>
+          </a:p>
+          <a:p>
+            <a:pPr eaLnBrk="1" hangingPunct="1"/>
+            <a:endParaRPr lang="en-US" dirty="0">
+              <a:latin typeface="Trebuchet MS" charset="0"/>
+              <a:ea typeface="ヒラギノ角ゴ ProN W3" charset="0"/>
+              <a:cs typeface="ヒラギノ角ゴ ProN W3" charset="0"/>
+            </a:endParaRPr>
+          </a:p>
+          <a:p>
+            <a:pPr eaLnBrk="1" hangingPunct="1"/>
+            <a:endParaRPr lang="en-US" dirty="0" smtClean="0">
+              <a:latin typeface="Trebuchet MS" charset="0"/>
+              <a:ea typeface="ヒラギノ角ゴ ProN W3" charset="0"/>
+              <a:cs typeface="ヒラギノ角ゴ ProN W3" charset="0"/>
+            </a:endParaRPr>
+          </a:p>
+        </p:txBody>
+      </p:sp>
     </p:spTree>
     <p:extLst>
       <p:ext uri="{BB962C8B-B14F-4D97-AF65-F5344CB8AC3E}">
-        <p14:creationId xmlns:p14="http://schemas.microsoft.com/office/powerpoint/2010/main" val="906914123"/>
+        <p14:creationId xmlns:p14="http://schemas.microsoft.com/office/powerpoint/2010/main" val="1668803325"/>
       </p:ext>
     </p:extLst>
   </p:cSld>
@@ -7298,7 +7309,7 @@
                 <a:ea typeface="ヒラギノ角ゴ ProN W6" charset="0"/>
                 <a:cs typeface="ヒラギノ角ゴ ProN W6" charset="0"/>
               </a:rPr>
-              <a:t>Using Opacity</a:t>
+              <a:t>Transitions</a:t>
             </a:r>
             <a:endParaRPr lang="en-US" dirty="0">
               <a:latin typeface="Trebuchet MS Bold" charset="0"/>
@@ -7335,7 +7346,7 @@
                 <a:ea typeface="ヒラギノ角ゴ ProN W3" charset="0"/>
                 <a:cs typeface="ヒラギノ角ゴ ProN W3" charset="0"/>
               </a:rPr>
-              <a:t>Opacity is an important property in animation</a:t>
+              <a:t>iOS allows for animated transitions between views and windows</a:t>
             </a:r>
           </a:p>
           <a:p>
@@ -7354,95 +7365,7 @@
                 <a:ea typeface="ヒラギノ角ゴ ProN W3" charset="0"/>
                 <a:cs typeface="ヒラギノ角ゴ ProN W3" charset="0"/>
               </a:rPr>
-              <a:t>Values:</a:t>
-            </a:r>
-          </a:p>
-          <a:p>
-            <a:pPr eaLnBrk="1" hangingPunct="1">
-              <a:buFontTx/>
-              <a:buChar char="-"/>
-            </a:pPr>
-            <a:r>
-              <a:rPr lang="en-US" dirty="0" smtClean="0">
-                <a:latin typeface="Trebuchet MS" charset="0"/>
-                <a:ea typeface="ヒラギノ角ゴ ProN W3" charset="0"/>
-                <a:cs typeface="ヒラギノ角ゴ ProN W3" charset="0"/>
-              </a:rPr>
-              <a:t>0 is invisible</a:t>
-            </a:r>
-          </a:p>
-          <a:p>
-            <a:pPr eaLnBrk="1" hangingPunct="1">
-              <a:buFontTx/>
-              <a:buChar char="-"/>
-            </a:pPr>
-            <a:r>
-              <a:rPr lang="en-US" dirty="0" smtClean="0">
-                <a:latin typeface="Trebuchet MS" charset="0"/>
-                <a:ea typeface="ヒラギノ角ゴ ProN W3" charset="0"/>
-                <a:cs typeface="ヒラギノ角ゴ ProN W3" charset="0"/>
-              </a:rPr>
-              <a:t>1 is totally opaque</a:t>
-            </a:r>
-          </a:p>
-          <a:p>
-            <a:pPr eaLnBrk="1" hangingPunct="1">
-              <a:buFontTx/>
-              <a:buChar char="-"/>
-            </a:pPr>
-            <a:endParaRPr lang="en-US" dirty="0">
-              <a:latin typeface="Trebuchet MS" charset="0"/>
-              <a:ea typeface="ヒラギノ角ゴ ProN W3" charset="0"/>
-              <a:cs typeface="ヒラギノ角ゴ ProN W3" charset="0"/>
-            </a:endParaRPr>
-          </a:p>
-          <a:p>
-            <a:pPr marL="0" indent="0" eaLnBrk="1" hangingPunct="1"/>
-            <a:r>
-              <a:rPr lang="en-US" dirty="0" smtClean="0">
-                <a:latin typeface="Trebuchet MS" charset="0"/>
-                <a:ea typeface="ヒラギノ角ゴ ProN W3" charset="0"/>
-                <a:cs typeface="ヒラギノ角ゴ ProN W3" charset="0"/>
-              </a:rPr>
-              <a:t>Dimming objects indicates they are unavailable</a:t>
-            </a:r>
-          </a:p>
-          <a:p>
-            <a:pPr marL="0" indent="0" eaLnBrk="1" hangingPunct="1"/>
-            <a:endParaRPr lang="en-US" dirty="0">
-              <a:latin typeface="Trebuchet MS" charset="0"/>
-              <a:ea typeface="ヒラギノ角ゴ ProN W3" charset="0"/>
-              <a:cs typeface="ヒラギノ角ゴ ProN W3" charset="0"/>
-            </a:endParaRPr>
-          </a:p>
-          <a:p>
-            <a:pPr marL="0" indent="0" eaLnBrk="1" hangingPunct="1"/>
-            <a:r>
-              <a:rPr lang="en-US" dirty="0" smtClean="0">
-                <a:latin typeface="Trebuchet MS" charset="0"/>
-                <a:ea typeface="ヒラギノ角ゴ ProN W3" charset="0"/>
-                <a:cs typeface="ヒラギノ角ゴ ProN W3" charset="0"/>
-              </a:rPr>
-              <a:t>Fading in/out views makes UI state changes less jarring</a:t>
-            </a:r>
-          </a:p>
-          <a:p>
-            <a:pPr marL="0" indent="0" eaLnBrk="1" hangingPunct="1"/>
-            <a:endParaRPr lang="en-US" dirty="0">
-              <a:latin typeface="Trebuchet MS" charset="0"/>
-              <a:ea typeface="ヒラギノ角ゴ ProN W3" charset="0"/>
-              <a:cs typeface="ヒラギノ角ゴ ProN W3" charset="0"/>
-            </a:endParaRPr>
-          </a:p>
-          <a:p>
-            <a:pPr marL="0" indent="0" eaLnBrk="1" hangingPunct="1"/>
-            <a:r>
-              <a:rPr lang="en-US" dirty="0" smtClean="0">
-                <a:latin typeface="Trebuchet MS" charset="0"/>
-                <a:ea typeface="ヒラギノ角ゴ ProN W3" charset="0"/>
-                <a:cs typeface="ヒラギノ角ゴ ProN W3" charset="0"/>
-              </a:rPr>
-              <a:t>Demo: animating the opacity property</a:t>
+              <a:t>Can open window with a transition</a:t>
             </a:r>
           </a:p>
           <a:p>
@@ -7455,6 +7378,41 @@
           </a:p>
           <a:p>
             <a:pPr eaLnBrk="1" hangingPunct="1"/>
+            <a:r>
+              <a:rPr lang="en-US" dirty="0" smtClean="0">
+                <a:latin typeface="Trebuchet MS" charset="0"/>
+                <a:ea typeface="ヒラギノ角ゴ ProN W3" charset="0"/>
+                <a:cs typeface="ヒラギノ角ゴ ProN W3" charset="0"/>
+              </a:rPr>
+              <a:t>Can transition between child views</a:t>
+            </a:r>
+          </a:p>
+          <a:p>
+            <a:pPr eaLnBrk="1" hangingPunct="1"/>
+            <a:endParaRPr lang="en-US" dirty="0">
+              <a:latin typeface="Trebuchet MS" charset="0"/>
+              <a:ea typeface="ヒラギノ角ゴ ProN W3" charset="0"/>
+              <a:cs typeface="ヒラギノ角ゴ ProN W3" charset="0"/>
+            </a:endParaRPr>
+          </a:p>
+          <a:p>
+            <a:pPr eaLnBrk="1" hangingPunct="1"/>
+            <a:r>
+              <a:rPr lang="en-US" dirty="0" smtClean="0">
+                <a:latin typeface="Trebuchet MS" charset="0"/>
+                <a:ea typeface="ヒラギノ角ゴ ProN W3" charset="0"/>
+                <a:cs typeface="ヒラギノ角ゴ ProN W3" charset="0"/>
+              </a:rPr>
+              <a:t>Demo: Using transitions on iOS</a:t>
+            </a:r>
+            <a:endParaRPr lang="en-US" dirty="0">
+              <a:latin typeface="Trebuchet MS" charset="0"/>
+              <a:ea typeface="ヒラギノ角ゴ ProN W3" charset="0"/>
+              <a:cs typeface="ヒラギノ角ゴ ProN W3" charset="0"/>
+            </a:endParaRPr>
+          </a:p>
+          <a:p>
+            <a:pPr eaLnBrk="1" hangingPunct="1"/>
             <a:endParaRPr lang="en-US" dirty="0" smtClean="0">
               <a:latin typeface="Trebuchet MS" charset="0"/>
               <a:ea typeface="ヒラギノ角ゴ ProN W3" charset="0"/>
@@ -7466,7 +7424,7 @@
     </p:spTree>
     <p:extLst>
       <p:ext uri="{BB962C8B-B14F-4D97-AF65-F5344CB8AC3E}">
-        <p14:creationId xmlns:p14="http://schemas.microsoft.com/office/powerpoint/2010/main" val="1668803325"/>
+        <p14:creationId xmlns:p14="http://schemas.microsoft.com/office/powerpoint/2010/main" val="3996791173"/>
       </p:ext>
     </p:extLst>
   </p:cSld>
@@ -7690,345 +7648,6 @@
                 <a:ea typeface="ヒラギノ角ゴ ProN W6" charset="0"/>
                 <a:cs typeface="ヒラギノ角ゴ ProN W6" charset="0"/>
               </a:rPr>
-              <a:t>Transitions</a:t>
-            </a:r>
-            <a:endParaRPr lang="en-US" dirty="0">
-              <a:latin typeface="Trebuchet MS Bold" charset="0"/>
-              <a:ea typeface="ヒラギノ角ゴ ProN W6" charset="0"/>
-              <a:cs typeface="ヒラギノ角ゴ ProN W6" charset="0"/>
-            </a:endParaRPr>
-          </a:p>
-        </p:txBody>
-      </p:sp>
-      <p:sp>
-        <p:nvSpPr>
-          <p:cNvPr id="12293" name="Rectangle 7"/>
-          <p:cNvSpPr>
-            <a:spLocks noGrp="1" noChangeArrowheads="1"/>
-          </p:cNvSpPr>
-          <p:nvPr>
-            <p:ph idx="1"/>
-          </p:nvPr>
-        </p:nvSpPr>
-        <p:spPr>
-          <a:xfrm>
-            <a:off x="457200" y="1346200"/>
-            <a:ext cx="8229600" cy="4902200"/>
-          </a:xfrm>
-        </p:spPr>
-        <p:txBody>
-          <a:bodyPr rIns="81279"/>
-          <a:lstStyle/>
-          <a:p>
-            <a:pPr eaLnBrk="1" hangingPunct="1"/>
-            <a:r>
-              <a:rPr lang="en-US" dirty="0" smtClean="0">
-                <a:latin typeface="Trebuchet MS" charset="0"/>
-                <a:ea typeface="ヒラギノ角ゴ ProN W3" charset="0"/>
-                <a:cs typeface="ヒラギノ角ゴ ProN W3" charset="0"/>
-              </a:rPr>
-              <a:t>iOS allows for animated transitions between views and windows</a:t>
-            </a:r>
-          </a:p>
-          <a:p>
-            <a:pPr eaLnBrk="1" hangingPunct="1"/>
-            <a:endParaRPr lang="en-US" dirty="0">
-              <a:latin typeface="Trebuchet MS" charset="0"/>
-              <a:ea typeface="ヒラギノ角ゴ ProN W3" charset="0"/>
-              <a:cs typeface="ヒラギノ角ゴ ProN W3" charset="0"/>
-            </a:endParaRPr>
-          </a:p>
-          <a:p>
-            <a:pPr eaLnBrk="1" hangingPunct="1"/>
-            <a:r>
-              <a:rPr lang="en-US" dirty="0" smtClean="0">
-                <a:latin typeface="Trebuchet MS" charset="0"/>
-                <a:ea typeface="ヒラギノ角ゴ ProN W3" charset="0"/>
-                <a:cs typeface="ヒラギノ角ゴ ProN W3" charset="0"/>
-              </a:rPr>
-              <a:t>Can open window with a transition</a:t>
-            </a:r>
-          </a:p>
-          <a:p>
-            <a:pPr eaLnBrk="1" hangingPunct="1"/>
-            <a:endParaRPr lang="en-US" dirty="0">
-              <a:latin typeface="Trebuchet MS" charset="0"/>
-              <a:ea typeface="ヒラギノ角ゴ ProN W3" charset="0"/>
-              <a:cs typeface="ヒラギノ角ゴ ProN W3" charset="0"/>
-            </a:endParaRPr>
-          </a:p>
-          <a:p>
-            <a:pPr eaLnBrk="1" hangingPunct="1"/>
-            <a:r>
-              <a:rPr lang="en-US" dirty="0" smtClean="0">
-                <a:latin typeface="Trebuchet MS" charset="0"/>
-                <a:ea typeface="ヒラギノ角ゴ ProN W3" charset="0"/>
-                <a:cs typeface="ヒラギノ角ゴ ProN W3" charset="0"/>
-              </a:rPr>
-              <a:t>Can transition between child views</a:t>
-            </a:r>
-          </a:p>
-          <a:p>
-            <a:pPr eaLnBrk="1" hangingPunct="1"/>
-            <a:endParaRPr lang="en-US" dirty="0">
-              <a:latin typeface="Trebuchet MS" charset="0"/>
-              <a:ea typeface="ヒラギノ角ゴ ProN W3" charset="0"/>
-              <a:cs typeface="ヒラギノ角ゴ ProN W3" charset="0"/>
-            </a:endParaRPr>
-          </a:p>
-          <a:p>
-            <a:pPr eaLnBrk="1" hangingPunct="1"/>
-            <a:r>
-              <a:rPr lang="en-US" dirty="0" smtClean="0">
-                <a:latin typeface="Trebuchet MS" charset="0"/>
-                <a:ea typeface="ヒラギノ角ゴ ProN W3" charset="0"/>
-                <a:cs typeface="ヒラギノ角ゴ ProN W3" charset="0"/>
-              </a:rPr>
-              <a:t>Demo: Using transitions on iOS</a:t>
-            </a:r>
-            <a:endParaRPr lang="en-US" dirty="0">
-              <a:latin typeface="Trebuchet MS" charset="0"/>
-              <a:ea typeface="ヒラギノ角ゴ ProN W3" charset="0"/>
-              <a:cs typeface="ヒラギノ角ゴ ProN W3" charset="0"/>
-            </a:endParaRPr>
-          </a:p>
-          <a:p>
-            <a:pPr eaLnBrk="1" hangingPunct="1"/>
-            <a:endParaRPr lang="en-US" dirty="0" smtClean="0">
-              <a:latin typeface="Trebuchet MS" charset="0"/>
-              <a:ea typeface="ヒラギノ角ゴ ProN W3" charset="0"/>
-              <a:cs typeface="ヒラギノ角ゴ ProN W3" charset="0"/>
-            </a:endParaRPr>
-          </a:p>
-        </p:txBody>
-      </p:sp>
-    </p:spTree>
-    <p:extLst>
-      <p:ext uri="{BB962C8B-B14F-4D97-AF65-F5344CB8AC3E}">
-        <p14:creationId xmlns:p14="http://schemas.microsoft.com/office/powerpoint/2010/main" val="3996791173"/>
-      </p:ext>
-    </p:extLst>
-  </p:cSld>
-  <p:clrMapOvr>
-    <a:masterClrMapping/>
-  </p:clrMapOvr>
-  <p:transition xmlns:p14="http://schemas.microsoft.com/office/powerpoint/2010/main" spd="slow"/>
-  <p:timing>
-    <p:tnLst>
-      <p:par>
-        <p:cTn xmlns:p14="http://schemas.microsoft.com/office/powerpoint/2010/main" id="1" dur="indefinite" restart="never" nodeType="tmRoot"/>
-      </p:par>
-    </p:tnLst>
-  </p:timing>
-</p:sld>
-</file>
-
-<file path=ppt/slides/slide14.xml><?xml version="1.0" encoding="utf-8"?>
-<p:sld xmlns:a="http://schemas.openxmlformats.org/drawingml/2006/main" xmlns:r="http://schemas.openxmlformats.org/officeDocument/2006/relationships" xmlns:p="http://schemas.openxmlformats.org/presentationml/2006/main">
-  <p:cSld>
-    <p:spTree>
-      <p:nvGrpSpPr>
-        <p:cNvPr id="1" name=""/>
-        <p:cNvGrpSpPr/>
-        <p:nvPr/>
-      </p:nvGrpSpPr>
-      <p:grpSpPr>
-        <a:xfrm>
-          <a:off x="0" y="0"/>
-          <a:ext cx="0" cy="0"/>
-          <a:chOff x="0" y="0"/>
-          <a:chExt cx="0" cy="0"/>
-        </a:xfrm>
-      </p:grpSpPr>
-      <p:pic>
-        <p:nvPicPr>
-          <p:cNvPr id="12289" name="Picture 1"/>
-          <p:cNvPicPr>
-            <a:picLocks noChangeArrowheads="1"/>
-          </p:cNvPicPr>
-          <p:nvPr/>
-        </p:nvPicPr>
-        <p:blipFill>
-          <a:blip r:embed="rId3">
-            <a:extLst>
-              <a:ext uri="{28A0092B-C50C-407E-A947-70E740481C1C}">
-                <a14:useLocalDpi xmlns:a14="http://schemas.microsoft.com/office/drawing/2010/main" val="0"/>
-              </a:ext>
-            </a:extLst>
-          </a:blip>
-          <a:srcRect/>
-          <a:stretch>
-            <a:fillRect/>
-          </a:stretch>
-        </p:blipFill>
-        <p:spPr bwMode="auto">
-          <a:xfrm>
-            <a:off x="8505825" y="6311900"/>
-            <a:ext cx="442913" cy="357188"/>
-          </a:xfrm>
-          <a:prstGeom prst="rect">
-            <a:avLst/>
-          </a:prstGeom>
-          <a:noFill/>
-          <a:ln>
-            <a:noFill/>
-          </a:ln>
-          <a:extLst>
-            <a:ext uri="{909E8E84-426E-40dd-AFC4-6F175D3DCCD1}">
-              <a14:hiddenFill xmlns:a14="http://schemas.microsoft.com/office/drawing/2010/main">
-                <a:solidFill>
-                  <a:srgbClr val="FFFFFF"/>
-                </a:solidFill>
-              </a14:hiddenFill>
-            </a:ext>
-            <a:ext uri="{91240B29-F687-4f45-9708-019B960494DF}">
-              <a14:hiddenLine xmlns:a14="http://schemas.microsoft.com/office/drawing/2010/main" w="9525">
-                <a:solidFill>
-                  <a:srgbClr val="000000"/>
-                </a:solidFill>
-                <a:miter lim="800000"/>
-                <a:headEnd/>
-                <a:tailEnd/>
-              </a14:hiddenLine>
-            </a:ext>
-          </a:extLst>
-        </p:spPr>
-      </p:pic>
-      <p:pic>
-        <p:nvPicPr>
-          <p:cNvPr id="12290" name="Picture 3"/>
-          <p:cNvPicPr>
-            <a:picLocks noChangeArrowheads="1"/>
-          </p:cNvPicPr>
-          <p:nvPr/>
-        </p:nvPicPr>
-        <p:blipFill>
-          <a:blip r:embed="rId4">
-            <a:extLst>
-              <a:ext uri="{28A0092B-C50C-407E-A947-70E740481C1C}">
-                <a14:useLocalDpi xmlns:a14="http://schemas.microsoft.com/office/drawing/2010/main" val="0"/>
-              </a:ext>
-            </a:extLst>
-          </a:blip>
-          <a:srcRect/>
-          <a:stretch>
-            <a:fillRect/>
-          </a:stretch>
-        </p:blipFill>
-        <p:spPr bwMode="auto">
-          <a:xfrm>
-            <a:off x="0" y="0"/>
-            <a:ext cx="9144000" cy="1176338"/>
-          </a:xfrm>
-          <a:prstGeom prst="rect">
-            <a:avLst/>
-          </a:prstGeom>
-          <a:noFill/>
-          <a:ln>
-            <a:noFill/>
-          </a:ln>
-          <a:extLst>
-            <a:ext uri="{909E8E84-426E-40dd-AFC4-6F175D3DCCD1}">
-              <a14:hiddenFill xmlns:a14="http://schemas.microsoft.com/office/drawing/2010/main">
-                <a:solidFill>
-                  <a:srgbClr val="FFFFFF"/>
-                </a:solidFill>
-              </a14:hiddenFill>
-            </a:ext>
-            <a:ext uri="{91240B29-F687-4f45-9708-019B960494DF}">
-              <a14:hiddenLine xmlns:a14="http://schemas.microsoft.com/office/drawing/2010/main" w="9525">
-                <a:solidFill>
-                  <a:srgbClr val="000000"/>
-                </a:solidFill>
-                <a:miter lim="800000"/>
-                <a:headEnd/>
-                <a:tailEnd/>
-              </a14:hiddenLine>
-            </a:ext>
-          </a:extLst>
-        </p:spPr>
-      </p:pic>
-      <p:pic>
-        <p:nvPicPr>
-          <p:cNvPr id="12291" name="Picture 4"/>
-          <p:cNvPicPr>
-            <a:picLocks noChangeArrowheads="1"/>
-          </p:cNvPicPr>
-          <p:nvPr/>
-        </p:nvPicPr>
-        <p:blipFill>
-          <a:blip r:embed="rId3">
-            <a:extLst>
-              <a:ext uri="{28A0092B-C50C-407E-A947-70E740481C1C}">
-                <a14:useLocalDpi xmlns:a14="http://schemas.microsoft.com/office/drawing/2010/main" val="0"/>
-              </a:ext>
-            </a:extLst>
-          </a:blip>
-          <a:srcRect/>
-          <a:stretch>
-            <a:fillRect/>
-          </a:stretch>
-        </p:blipFill>
-        <p:spPr bwMode="auto">
-          <a:xfrm>
-            <a:off x="8505825" y="6311900"/>
-            <a:ext cx="442913" cy="357188"/>
-          </a:xfrm>
-          <a:prstGeom prst="rect">
-            <a:avLst/>
-          </a:prstGeom>
-          <a:noFill/>
-          <a:ln>
-            <a:noFill/>
-          </a:ln>
-          <a:extLst>
-            <a:ext uri="{909E8E84-426E-40dd-AFC4-6F175D3DCCD1}">
-              <a14:hiddenFill xmlns:a14="http://schemas.microsoft.com/office/drawing/2010/main">
-                <a:solidFill>
-                  <a:srgbClr val="FFFFFF"/>
-                </a:solidFill>
-              </a14:hiddenFill>
-            </a:ext>
-            <a:ext uri="{91240B29-F687-4f45-9708-019B960494DF}">
-              <a14:hiddenLine xmlns:a14="http://schemas.microsoft.com/office/drawing/2010/main" w="9525">
-                <a:solidFill>
-                  <a:srgbClr val="000000"/>
-                </a:solidFill>
-                <a:miter lim="800000"/>
-                <a:headEnd/>
-                <a:tailEnd/>
-              </a14:hiddenLine>
-            </a:ext>
-          </a:extLst>
-        </p:spPr>
-      </p:pic>
-      <p:sp>
-        <p:nvSpPr>
-          <p:cNvPr id="12292" name="Rectangle 6"/>
-          <p:cNvSpPr>
-            <a:spLocks noGrp="1" noChangeArrowheads="1"/>
-          </p:cNvSpPr>
-          <p:nvPr>
-            <p:ph type="title"/>
-          </p:nvPr>
-        </p:nvSpPr>
-        <p:spPr>
-          <a:xfrm>
-            <a:off x="457200" y="0"/>
-            <a:ext cx="8229600" cy="1219200"/>
-          </a:xfrm>
-        </p:spPr>
-        <p:txBody>
-          <a:bodyPr rIns="81279"/>
-          <a:lstStyle/>
-          <a:p>
-            <a:pPr eaLnBrk="1" hangingPunct="1"/>
-            <a:r>
-              <a:rPr lang="en-US" dirty="0" smtClean="0">
-                <a:latin typeface="Trebuchet MS Bold" charset="0"/>
-                <a:ea typeface="ヒラギノ角ゴ ProN W6" charset="0"/>
-                <a:cs typeface="ヒラギノ角ゴ ProN W6" charset="0"/>
-              </a:rPr>
               <a:t>Common Animation Uses</a:t>
             </a:r>
             <a:endParaRPr lang="en-US" dirty="0">
@@ -8173,7 +7792,7 @@
 </p:sld>
 </file>
 
-<file path=ppt/slides/slide15.xml><?xml version="1.0" encoding="utf-8"?>
+<file path=ppt/slides/slide14.xml><?xml version="1.0" encoding="utf-8"?>
 <p:sld xmlns:a="http://schemas.openxmlformats.org/drawingml/2006/main" xmlns:r="http://schemas.openxmlformats.org/officeDocument/2006/relationships" xmlns:p="http://schemas.openxmlformats.org/presentationml/2006/main">
   <p:cSld>
     <p:spTree>
@@ -8310,7 +7929,7 @@
 </p:sld>
 </file>
 
-<file path=ppt/slides/slide16.xml><?xml version="1.0" encoding="utf-8"?>
+<file path=ppt/slides/slide15.xml><?xml version="1.0" encoding="utf-8"?>
 <p:sld xmlns:a="http://schemas.openxmlformats.org/drawingml/2006/main" xmlns:r="http://schemas.openxmlformats.org/officeDocument/2006/relationships" xmlns:p="http://schemas.openxmlformats.org/presentationml/2006/main">
   <p:cSld>
     <p:spTree>
